--- a/documents/00_Sitzungen/Meilenstein_2/Meilenstein_2.pptx
+++ b/documents/00_Sitzungen/Meilenstein_2/Meilenstein_2.pptx
@@ -4408,8 +4408,8 @@
   <p:clrMapOvr>
     <a:masterClrMapping/>
   </p:clrMapOvr>
-  <p:transition>
-    <p:push dir="u"/>
+  <p:transition spd="slow">
+    <p:wipe/>
   </p:transition>
 </p:sld>
 </file>
@@ -4458,8 +4458,8 @@
   <p:clrMapOvr>
     <a:masterClrMapping/>
   </p:clrMapOvr>
-  <p:transition>
-    <p:push dir="u"/>
+  <p:transition spd="slow">
+    <p:wipe/>
   </p:transition>
 </p:sld>
 </file>
@@ -4601,8 +4601,8 @@
   <p:clrMapOvr>
     <a:masterClrMapping/>
   </p:clrMapOvr>
-  <p:transition>
-    <p:push dir="u"/>
+  <p:transition spd="slow">
+    <p:wipe/>
   </p:transition>
 </p:sld>
 </file>
@@ -4701,8 +4701,8 @@
   <p:clrMapOvr>
     <a:masterClrMapping/>
   </p:clrMapOvr>
-  <p:transition>
-    <p:push dir="u"/>
+  <p:transition spd="slow">
+    <p:wipe/>
   </p:transition>
 </p:sld>
 </file>
@@ -4796,88 +4796,20 @@
       </p:sp>
       <p:sp>
         <p:nvSpPr>
-          <p:cNvPr id="5" name="Content Placeholder 4"/>
+          <p:cNvPr id="6" name="Text Placeholder 5"/>
           <p:cNvSpPr>
             <a:spLocks noGrp="1"/>
           </p:cNvSpPr>
           <p:nvPr>
-            <p:ph sz="half" idx="2"/>
-          </p:nvPr>
-        </p:nvSpPr>
-        <p:spPr/>
-        <p:txBody>
-          <a:bodyPr/>
-          <a:lstStyle/>
-          <a:p>
-            <a:r>
-              <a:rPr lang="en-GB" sz="2000" dirty="0"/>
-              <a:t>/F0520/ </a:t>
-            </a:r>
-            <a:r>
-              <a:rPr lang="en-GB" sz="2000" dirty="0" err="1"/>
-              <a:t>Dateirechte</a:t>
-            </a:r>
-            <a:r>
-              <a:rPr lang="en-GB" sz="2000" dirty="0"/>
-              <a:t> </a:t>
-            </a:r>
-            <a:r>
-              <a:rPr lang="en-GB" sz="2000" dirty="0" err="1"/>
-              <a:t>bearbeiten</a:t>
-            </a:r>
-            <a:endParaRPr lang="en-GB" sz="2000" dirty="0"/>
-          </a:p>
-          <a:p>
-            <a:r>
-              <a:rPr lang="en-GB" sz="2000" dirty="0"/>
-              <a:t>/F0540/ </a:t>
-            </a:r>
-            <a:r>
-              <a:rPr lang="en-GB" sz="2000" dirty="0" err="1"/>
-              <a:t>Datei</a:t>
-            </a:r>
-            <a:r>
-              <a:rPr lang="en-GB" sz="2000" dirty="0"/>
-              <a:t> </a:t>
-            </a:r>
-            <a:r>
-              <a:rPr lang="en-GB" sz="2000" dirty="0" err="1"/>
-              <a:t>bewerten</a:t>
-            </a:r>
-            <a:endParaRPr lang="en-GB" sz="2000" dirty="0"/>
-          </a:p>
-          <a:p>
-            <a:r>
-              <a:rPr lang="en-GB" sz="2000" dirty="0"/>
-              <a:t>/F0550/ </a:t>
-            </a:r>
-            <a:r>
-              <a:rPr lang="en-GB" sz="2000" dirty="0" err="1"/>
-              <a:t>Datei</a:t>
-            </a:r>
-            <a:r>
-              <a:rPr lang="en-GB" sz="2000" dirty="0"/>
-              <a:t> </a:t>
-            </a:r>
-            <a:r>
-              <a:rPr lang="en-GB" sz="2000" dirty="0" err="1"/>
-              <a:t>kategorisieren</a:t>
-            </a:r>
-            <a:endParaRPr lang="en-GB" sz="2000" dirty="0"/>
-          </a:p>
-        </p:txBody>
-      </p:sp>
-      <p:sp>
-        <p:nvSpPr>
-          <p:cNvPr id="6" name="Text Placeholder 5"/>
-          <p:cNvSpPr>
-            <a:spLocks noGrp="1"/>
-          </p:cNvSpPr>
-          <p:nvPr>
             <p:ph type="body" sz="quarter" idx="3"/>
           </p:nvPr>
         </p:nvSpPr>
-        <p:spPr/>
+        <p:spPr>
+          <a:xfrm>
+            <a:off x="4932040" y="1681163"/>
+            <a:ext cx="3887788" cy="823912"/>
+          </a:xfrm>
+        </p:spPr>
         <p:txBody>
           <a:bodyPr/>
           <a:lstStyle/>
@@ -4919,7 +4851,7 @@
         </p:nvSpPr>
         <p:spPr>
           <a:xfrm>
-            <a:off x="4629150" y="2505075"/>
+            <a:off x="557336" y="2505075"/>
             <a:ext cx="4230688" cy="3684588"/>
           </a:xfrm>
         </p:spPr>
@@ -4980,6 +4912,280 @@
             <a:r>
               <a:rPr lang="en-GB" sz="2000" dirty="0" err="1"/>
               <a:t>bearbeiten</a:t>
+            </a:r>
+            <a:endParaRPr lang="en-GB" sz="2000" dirty="0"/>
+          </a:p>
+        </p:txBody>
+      </p:sp>
+      <p:sp>
+        <p:nvSpPr>
+          <p:cNvPr id="9" name="Content Placeholder 4"/>
+          <p:cNvSpPr txBox="1">
+            <a:spLocks/>
+          </p:cNvSpPr>
+          <p:nvPr/>
+        </p:nvSpPr>
+        <p:spPr bwMode="auto">
+          <a:xfrm>
+            <a:off x="4860032" y="2505075"/>
+            <a:ext cx="3868737" cy="3684588"/>
+          </a:xfrm>
+          <a:prstGeom prst="rect">
+            <a:avLst/>
+          </a:prstGeom>
+          <a:noFill/>
+          <a:ln>
+            <a:noFill/>
+          </a:ln>
+          <a:effectLst/>
+          <a:extLst>
+            <a:ext uri="{909E8E84-426E-40DD-AFC4-6F175D3DCCD1}">
+              <a14:hiddenFill xmlns:a14="http://schemas.microsoft.com/office/drawing/2010/main">
+                <a:solidFill>
+                  <a:schemeClr val="accent1"/>
+                </a:solidFill>
+              </a14:hiddenFill>
+            </a:ext>
+            <a:ext uri="{91240B29-F687-4F45-9708-019B960494DF}">
+              <a14:hiddenLine xmlns:a14="http://schemas.microsoft.com/office/drawing/2010/main" w="9525">
+                <a:solidFill>
+                  <a:schemeClr val="tx1"/>
+                </a:solidFill>
+                <a:miter lim="800000"/>
+                <a:headEnd/>
+                <a:tailEnd/>
+              </a14:hiddenLine>
+            </a:ext>
+            <a:ext uri="{AF507438-7753-43E0-B8FC-AC1667EBCBE1}">
+              <a14:hiddenEffects xmlns:a14="http://schemas.microsoft.com/office/drawing/2010/main">
+                <a:effectLst>
+                  <a:outerShdw dist="35921" dir="2700000" algn="ctr" rotWithShape="0">
+                    <a:schemeClr val="bg2"/>
+                  </a:outerShdw>
+                </a:effectLst>
+              </a14:hiddenEffects>
+            </a:ext>
+          </a:extLst>
+        </p:spPr>
+        <p:txBody>
+          <a:bodyPr vert="horz" wrap="square" lIns="91440" tIns="45720" rIns="91440" bIns="45720" numCol="1" anchor="t" anchorCtr="0" compatLnSpc="1">
+            <a:prstTxWarp prst="textNoShape">
+              <a:avLst/>
+            </a:prstTxWarp>
+          </a:bodyPr>
+          <a:lstStyle>
+            <a:lvl1pPr marL="342900" indent="-342900" algn="l" rtl="0" eaLnBrk="0" fontAlgn="base" hangingPunct="0">
+              <a:spcBef>
+                <a:spcPct val="20000"/>
+              </a:spcBef>
+              <a:spcAft>
+                <a:spcPct val="0"/>
+              </a:spcAft>
+              <a:buChar char="•"/>
+              <a:defRPr sz="3200" kern="1200">
+                <a:solidFill>
+                  <a:schemeClr val="tx1"/>
+                </a:solidFill>
+                <a:latin typeface="+mn-lt"/>
+                <a:ea typeface="+mn-ea"/>
+                <a:cs typeface="+mn-cs"/>
+              </a:defRPr>
+            </a:lvl1pPr>
+            <a:lvl2pPr marL="742950" indent="-285750" algn="l" rtl="0" eaLnBrk="0" fontAlgn="base" hangingPunct="0">
+              <a:spcBef>
+                <a:spcPct val="20000"/>
+              </a:spcBef>
+              <a:spcAft>
+                <a:spcPct val="0"/>
+              </a:spcAft>
+              <a:buChar char="–"/>
+              <a:defRPr sz="2800" kern="1200">
+                <a:solidFill>
+                  <a:schemeClr val="tx1"/>
+                </a:solidFill>
+                <a:latin typeface="+mn-lt"/>
+                <a:ea typeface="+mn-ea"/>
+                <a:cs typeface="+mn-cs"/>
+              </a:defRPr>
+            </a:lvl2pPr>
+            <a:lvl3pPr marL="1143000" indent="-228600" algn="l" rtl="0" eaLnBrk="0" fontAlgn="base" hangingPunct="0">
+              <a:spcBef>
+                <a:spcPct val="20000"/>
+              </a:spcBef>
+              <a:spcAft>
+                <a:spcPct val="0"/>
+              </a:spcAft>
+              <a:buChar char="•"/>
+              <a:defRPr sz="2400" kern="1200">
+                <a:solidFill>
+                  <a:schemeClr val="tx1"/>
+                </a:solidFill>
+                <a:latin typeface="+mn-lt"/>
+                <a:ea typeface="+mn-ea"/>
+                <a:cs typeface="+mn-cs"/>
+              </a:defRPr>
+            </a:lvl3pPr>
+            <a:lvl4pPr marL="1600200" indent="-228600" algn="l" rtl="0" eaLnBrk="0" fontAlgn="base" hangingPunct="0">
+              <a:spcBef>
+                <a:spcPct val="20000"/>
+              </a:spcBef>
+              <a:spcAft>
+                <a:spcPct val="0"/>
+              </a:spcAft>
+              <a:buChar char="–"/>
+              <a:defRPr sz="2000" kern="1200">
+                <a:solidFill>
+                  <a:schemeClr val="tx1"/>
+                </a:solidFill>
+                <a:latin typeface="+mn-lt"/>
+                <a:ea typeface="+mn-ea"/>
+                <a:cs typeface="+mn-cs"/>
+              </a:defRPr>
+            </a:lvl4pPr>
+            <a:lvl5pPr marL="2057400" indent="-228600" algn="l" rtl="0" eaLnBrk="0" fontAlgn="base" hangingPunct="0">
+              <a:spcBef>
+                <a:spcPct val="20000"/>
+              </a:spcBef>
+              <a:spcAft>
+                <a:spcPct val="0"/>
+              </a:spcAft>
+              <a:buChar char="»"/>
+              <a:defRPr sz="2000" kern="1200">
+                <a:solidFill>
+                  <a:schemeClr val="tx1"/>
+                </a:solidFill>
+                <a:latin typeface="+mn-lt"/>
+                <a:ea typeface="+mn-ea"/>
+                <a:cs typeface="+mn-cs"/>
+              </a:defRPr>
+            </a:lvl5pPr>
+            <a:lvl6pPr marL="2514600" indent="-228600" algn="l" defTabSz="914400" rtl="0" eaLnBrk="1" latinLnBrk="0" hangingPunct="1">
+              <a:lnSpc>
+                <a:spcPct val="90000"/>
+              </a:lnSpc>
+              <a:spcBef>
+                <a:spcPts val="500"/>
+              </a:spcBef>
+              <a:buFont typeface="Arial" panose="020B0604020202020204" pitchFamily="34" charset="0"/>
+              <a:buChar char="•"/>
+              <a:defRPr sz="1800" kern="1200">
+                <a:solidFill>
+                  <a:schemeClr val="tx1"/>
+                </a:solidFill>
+                <a:latin typeface="+mn-lt"/>
+                <a:ea typeface="+mn-ea"/>
+                <a:cs typeface="+mn-cs"/>
+              </a:defRPr>
+            </a:lvl6pPr>
+            <a:lvl7pPr marL="2971800" indent="-228600" algn="l" defTabSz="914400" rtl="0" eaLnBrk="1" latinLnBrk="0" hangingPunct="1">
+              <a:lnSpc>
+                <a:spcPct val="90000"/>
+              </a:lnSpc>
+              <a:spcBef>
+                <a:spcPts val="500"/>
+              </a:spcBef>
+              <a:buFont typeface="Arial" panose="020B0604020202020204" pitchFamily="34" charset="0"/>
+              <a:buChar char="•"/>
+              <a:defRPr sz="1800" kern="1200">
+                <a:solidFill>
+                  <a:schemeClr val="tx1"/>
+                </a:solidFill>
+                <a:latin typeface="+mn-lt"/>
+                <a:ea typeface="+mn-ea"/>
+                <a:cs typeface="+mn-cs"/>
+              </a:defRPr>
+            </a:lvl7pPr>
+            <a:lvl8pPr marL="3429000" indent="-228600" algn="l" defTabSz="914400" rtl="0" eaLnBrk="1" latinLnBrk="0" hangingPunct="1">
+              <a:lnSpc>
+                <a:spcPct val="90000"/>
+              </a:lnSpc>
+              <a:spcBef>
+                <a:spcPts val="500"/>
+              </a:spcBef>
+              <a:buFont typeface="Arial" panose="020B0604020202020204" pitchFamily="34" charset="0"/>
+              <a:buChar char="•"/>
+              <a:defRPr sz="1800" kern="1200">
+                <a:solidFill>
+                  <a:schemeClr val="tx1"/>
+                </a:solidFill>
+                <a:latin typeface="+mn-lt"/>
+                <a:ea typeface="+mn-ea"/>
+                <a:cs typeface="+mn-cs"/>
+              </a:defRPr>
+            </a:lvl8pPr>
+            <a:lvl9pPr marL="3886200" indent="-228600" algn="l" defTabSz="914400" rtl="0" eaLnBrk="1" latinLnBrk="0" hangingPunct="1">
+              <a:lnSpc>
+                <a:spcPct val="90000"/>
+              </a:lnSpc>
+              <a:spcBef>
+                <a:spcPts val="500"/>
+              </a:spcBef>
+              <a:buFont typeface="Arial" panose="020B0604020202020204" pitchFamily="34" charset="0"/>
+              <a:buChar char="•"/>
+              <a:defRPr sz="1800" kern="1200">
+                <a:solidFill>
+                  <a:schemeClr val="tx1"/>
+                </a:solidFill>
+                <a:latin typeface="+mn-lt"/>
+                <a:ea typeface="+mn-ea"/>
+                <a:cs typeface="+mn-cs"/>
+              </a:defRPr>
+            </a:lvl9pPr>
+          </a:lstStyle>
+          <a:p>
+            <a:r>
+              <a:rPr lang="en-GB" sz="2000" dirty="0"/>
+              <a:t>/F0520/ </a:t>
+            </a:r>
+            <a:r>
+              <a:rPr lang="en-GB" sz="2000" dirty="0" err="1"/>
+              <a:t>Dateirechte</a:t>
+            </a:r>
+            <a:r>
+              <a:rPr lang="en-GB" sz="2000" dirty="0"/>
+              <a:t> </a:t>
+            </a:r>
+            <a:r>
+              <a:rPr lang="en-GB" sz="2000" dirty="0" err="1"/>
+              <a:t>bearbeiten</a:t>
+            </a:r>
+            <a:endParaRPr lang="en-GB" sz="2000" dirty="0"/>
+          </a:p>
+          <a:p>
+            <a:r>
+              <a:rPr lang="en-GB" sz="2000" dirty="0"/>
+              <a:t>/F0540/ </a:t>
+            </a:r>
+            <a:r>
+              <a:rPr lang="en-GB" sz="2000" dirty="0" err="1"/>
+              <a:t>Datei</a:t>
+            </a:r>
+            <a:r>
+              <a:rPr lang="en-GB" sz="2000" dirty="0"/>
+              <a:t> </a:t>
+            </a:r>
+            <a:r>
+              <a:rPr lang="en-GB" sz="2000" dirty="0" err="1"/>
+              <a:t>bewerten</a:t>
+            </a:r>
+            <a:endParaRPr lang="en-GB" sz="2000" dirty="0"/>
+          </a:p>
+          <a:p>
+            <a:r>
+              <a:rPr lang="en-GB" sz="2000" dirty="0"/>
+              <a:t>/F0550/ </a:t>
+            </a:r>
+            <a:r>
+              <a:rPr lang="en-GB" sz="2000" dirty="0" err="1"/>
+              <a:t>Datei</a:t>
+            </a:r>
+            <a:r>
+              <a:rPr lang="en-GB" sz="2000" dirty="0"/>
+              <a:t> </a:t>
+            </a:r>
+            <a:r>
+              <a:rPr lang="en-GB" sz="2000" dirty="0" err="1"/>
+              <a:t>kategorisieren</a:t>
             </a:r>
             <a:endParaRPr lang="en-GB" sz="2000" dirty="0"/>
           </a:p>
@@ -4995,6 +5201,9 @@
   <p:clrMapOvr>
     <a:masterClrMapping/>
   </p:clrMapOvr>
+  <p:transition spd="slow">
+    <p:wipe/>
+  </p:transition>
 </p:sld>
 </file>
 
@@ -5059,7 +5268,7 @@
         <p:spPr>
           <a:xfrm>
             <a:off x="179512" y="2564904"/>
-            <a:ext cx="3322712" cy="646331"/>
+            <a:ext cx="3322712" cy="923330"/>
           </a:xfrm>
           <a:prstGeom prst="rect">
             <a:avLst/>
@@ -5078,7 +5287,7 @@
             </a:pPr>
             <a:r>
               <a:rPr lang="en-US" dirty="0" err="1"/>
-              <a:t>Wie</a:t>
+              <a:t>Geplanter</a:t>
             </a:r>
             <a:r>
               <a:rPr lang="en-US" dirty="0"/>
@@ -5086,7 +5295,7 @@
             </a:r>
             <a:r>
               <a:rPr lang="en-US" dirty="0" err="1"/>
-              <a:t>erwartet</a:t>
+              <a:t>Aufwand</a:t>
             </a:r>
             <a:r>
               <a:rPr lang="en-US" dirty="0"/>
@@ -5094,7 +5303,26 @@
             </a:r>
             <a:r>
               <a:rPr lang="en-US" dirty="0" err="1"/>
-              <a:t>Planung</a:t>
+              <a:t>überstiegen</a:t>
+            </a:r>
+            <a:endParaRPr lang="en-US" dirty="0"/>
+          </a:p>
+          <a:p>
+            <a:pPr marL="285750" indent="-285750">
+              <a:buFont typeface="Arial" panose="020B0604020202020204" pitchFamily="34" charset="0"/>
+              <a:buChar char="•"/>
+            </a:pPr>
+            <a:r>
+              <a:rPr lang="en-US" dirty="0" err="1"/>
+              <a:t>Im</a:t>
+            </a:r>
+            <a:r>
+              <a:rPr lang="en-US" dirty="0"/>
+              <a:t> Total </a:t>
+            </a:r>
+            <a:r>
+              <a:rPr lang="en-US" dirty="0" err="1"/>
+              <a:t>noch</a:t>
             </a:r>
             <a:r>
               <a:rPr lang="en-US" dirty="0"/>
@@ -5102,7 +5330,15 @@
             </a:r>
             <a:r>
               <a:rPr lang="en-US" dirty="0" err="1"/>
-              <a:t>überstiegen</a:t>
+              <a:t>im</a:t>
+            </a:r>
+            <a:r>
+              <a:rPr lang="en-US" dirty="0"/>
+              <a:t> </a:t>
+            </a:r>
+            <a:r>
+              <a:rPr lang="en-US" dirty="0" err="1"/>
+              <a:t>Zeitplan</a:t>
             </a:r>
             <a:endParaRPr lang="en-US" dirty="0"/>
           </a:p>
@@ -5144,8 +5380,8 @@
   <p:clrMapOvr>
     <a:masterClrMapping/>
   </p:clrMapOvr>
-  <p:transition>
-    <p:push dir="u"/>
+  <p:transition spd="slow">
+    <p:wipe/>
   </p:transition>
 </p:sld>
 </file>
@@ -5256,6 +5492,9 @@
   <p:clrMapOvr>
     <a:masterClrMapping/>
   </p:clrMapOvr>
+  <p:transition spd="slow">
+    <p:wipe/>
+  </p:transition>
 </p:sld>
 </file>
 
@@ -5331,8 +5570,8 @@
   <p:clrMapOvr>
     <a:masterClrMapping/>
   </p:clrMapOvr>
-  <p:transition>
-    <p:push dir="u"/>
+  <p:transition spd="slow">
+    <p:wipe/>
   </p:transition>
 </p:sld>
 </file>
@@ -5414,8 +5653,8 @@
   <p:clrMapOvr>
     <a:masterClrMapping/>
   </p:clrMapOvr>
-  <p:transition>
-    <p:push dir="u"/>
+  <p:transition spd="slow">
+    <p:wipe/>
   </p:transition>
 </p:sld>
 </file>
@@ -5489,8 +5728,8 @@
   <p:clrMapOvr>
     <a:masterClrMapping/>
   </p:clrMapOvr>
-  <p:transition>
-    <p:push dir="u"/>
+  <p:transition spd="slow">
+    <p:wipe/>
   </p:transition>
 </p:sld>
 </file>
